--- a/PPT/EP2-2020-06-01.pptx
+++ b/PPT/EP2-2020-06-01.pptx
@@ -221,7 +221,7 @@
           <a:p>
             <a:fld id="{65A80631-54B1-48E6-A9AE-E2FEE8DCC965}" type="datetimeFigureOut">
               <a:rPr lang="en-AU" smtClean="0"/>
-              <a:t>2/06/2020</a:t>
+              <a:t>2/07/2020</a:t>
             </a:fld>
             <a:endParaRPr lang="en-AU"/>
           </a:p>
@@ -986,7 +986,7 @@
           <a:p>
             <a:fld id="{8E637067-6E96-407E-932C-BC7D980752C7}" type="datetime1">
               <a:rPr lang="en-AU" smtClean="0"/>
-              <a:t>2/06/2020</a:t>
+              <a:t>2/07/2020</a:t>
             </a:fld>
             <a:endParaRPr lang="en-AU"/>
           </a:p>
@@ -1248,7 +1248,7 @@
           <a:p>
             <a:fld id="{E2450903-EBF7-48C2-8550-1833C12F0AA6}" type="datetime1">
               <a:rPr lang="en-AU" smtClean="0"/>
-              <a:t>2/06/2020</a:t>
+              <a:t>2/07/2020</a:t>
             </a:fld>
             <a:endParaRPr lang="en-AU"/>
           </a:p>
@@ -1458,7 +1458,7 @@
           <a:p>
             <a:fld id="{0719D9BD-B01A-4CEF-A6CB-21D7A6F8D6F2}" type="datetime1">
               <a:rPr lang="en-AU" smtClean="0"/>
-              <a:t>2/06/2020</a:t>
+              <a:t>2/07/2020</a:t>
             </a:fld>
             <a:endParaRPr lang="en-AU"/>
           </a:p>
@@ -1688,7 +1688,7 @@
           <a:p>
             <a:fld id="{C64969CA-26E5-45A2-B10F-C1180E7CBD2D}" type="datetime1">
               <a:rPr lang="en-AU" smtClean="0"/>
-              <a:t>2/06/2020</a:t>
+              <a:t>2/07/2020</a:t>
             </a:fld>
             <a:endParaRPr lang="en-AU"/>
           </a:p>
@@ -1983,7 +1983,7 @@
           <a:p>
             <a:fld id="{5F7A2204-BE50-4E48-9789-6C6AAA30A7A2}" type="datetime1">
               <a:rPr lang="en-AU" smtClean="0"/>
-              <a:t>2/06/2020</a:t>
+              <a:t>2/07/2020</a:t>
             </a:fld>
             <a:endParaRPr lang="en-AU"/>
           </a:p>
@@ -2281,7 +2281,7 @@
           <a:p>
             <a:fld id="{721A5C3F-BE4F-4851-AF67-8A75069083E7}" type="datetime1">
               <a:rPr lang="en-AU" smtClean="0"/>
-              <a:t>2/06/2020</a:t>
+              <a:t>2/07/2020</a:t>
             </a:fld>
             <a:endParaRPr lang="en-AU"/>
           </a:p>
@@ -2696,7 +2696,7 @@
           <a:p>
             <a:fld id="{55A3E711-E32B-4CCD-82F0-95CC8451035B}" type="datetime1">
               <a:rPr lang="en-AU" smtClean="0"/>
-              <a:t>2/06/2020</a:t>
+              <a:t>2/07/2020</a:t>
             </a:fld>
             <a:endParaRPr lang="en-AU"/>
           </a:p>
@@ -2838,7 +2838,7 @@
           <a:p>
             <a:fld id="{EF07BE97-ED60-462F-A348-14836DED808A}" type="datetime1">
               <a:rPr lang="en-AU" smtClean="0"/>
-              <a:t>2/06/2020</a:t>
+              <a:t>2/07/2020</a:t>
             </a:fld>
             <a:endParaRPr lang="en-AU"/>
           </a:p>
@@ -2956,7 +2956,7 @@
           <a:p>
             <a:fld id="{E97282B5-37CB-4082-B12E-83D5EDF75E4A}" type="datetime1">
               <a:rPr lang="en-AU" smtClean="0"/>
-              <a:t>2/06/2020</a:t>
+              <a:t>2/07/2020</a:t>
             </a:fld>
             <a:endParaRPr lang="en-AU"/>
           </a:p>
@@ -3288,7 +3288,7 @@
           <a:p>
             <a:fld id="{C7C2990E-F309-4F24-BA9A-9107C2FDEECF}" type="datetime1">
               <a:rPr lang="en-AU" smtClean="0"/>
-              <a:t>2/06/2020</a:t>
+              <a:t>2/07/2020</a:t>
             </a:fld>
             <a:endParaRPr lang="en-AU"/>
           </a:p>
@@ -3577,7 +3577,7 @@
           <a:p>
             <a:fld id="{80C6DB83-2A7E-4062-A2D1-F8DFAD5107D5}" type="datetime1">
               <a:rPr lang="en-AU" smtClean="0"/>
-              <a:t>2/06/2020</a:t>
+              <a:t>2/07/2020</a:t>
             </a:fld>
             <a:endParaRPr lang="en-AU"/>
           </a:p>
@@ -3822,7 +3822,7 @@
           <a:p>
             <a:fld id="{0579ABAF-0E04-4612-BCFD-9F946A6B758B}" type="datetime1">
               <a:rPr lang="en-AU" smtClean="0"/>
-              <a:t>2/06/2020</a:t>
+              <a:t>2/07/2020</a:t>
             </a:fld>
             <a:endParaRPr lang="en-AU"/>
           </a:p>
@@ -9055,7 +9055,7 @@
                   <a:srgbClr val="FF0000"/>
                 </a:solidFill>
               </a:rPr>
-              <a:t>E:\UncleEngineerDjango</a:t>
+              <a:t>E:\Django50Hours</a:t>
             </a:r>
           </a:p>
           <a:p>
@@ -9246,7 +9246,7 @@
         <p:spPr>
           <a:xfrm>
             <a:off x="8348248" y="1211879"/>
-            <a:ext cx="2472152" cy="369332"/>
+            <a:ext cx="1895904" cy="369332"/>
           </a:xfrm>
           <a:prstGeom prst="rect">
             <a:avLst/>
@@ -9273,13 +9273,18 @@
           <a:lstStyle/>
           <a:p>
             <a:r>
-              <a:rPr lang="en-AU" dirty="0">
+              <a:rPr lang="en-AU">
                 <a:solidFill>
                   <a:schemeClr val="bg1"/>
                 </a:solidFill>
               </a:rPr>
-              <a:t>E:\UncleEngineerDjango</a:t>
-            </a:r>
+              <a:t>E:\Django50Hours</a:t>
+            </a:r>
+            <a:endParaRPr lang="en-AU" dirty="0">
+              <a:solidFill>
+                <a:schemeClr val="bg1"/>
+              </a:solidFill>
+            </a:endParaRPr>
           </a:p>
         </p:txBody>
       </p:sp>
@@ -10363,7 +10368,7 @@
           <a:p>
             <a:r>
               <a:rPr lang="en-AU" dirty="0"/>
-              <a:t>E:\UncleEngineerDjango\firstweb</a:t>
+              <a:t>E:\Django50Hours\firstweb</a:t>
             </a:r>
           </a:p>
           <a:p>
